--- a/dunia ilkom/2 Variabel dan tipe data dalam Bahasa C++.pptx
+++ b/dunia ilkom/2 Variabel dan tipe data dalam Bahasa C++.pptx
@@ -276,7 +276,7 @@
           <a:p>
             <a:fld id="{CA430C0A-5464-4FE4-84EB-FF9C94016DF4}" type="datetimeFigureOut">
               <a:rPr lang="en-US" dirty="0"/>
-              <a:t>5/20/2021</a:t>
+              <a:t>5/22/2021</a:t>
             </a:fld>
             <a:endParaRPr lang="en-US" dirty="0"/>
           </a:p>
@@ -442,7 +442,7 @@
           <a:p>
             <a:fld id="{E9F9C37B-1D36-470B-8223-D6C91242EC14}" type="datetimeFigureOut">
               <a:rPr lang="en-US" dirty="0"/>
-              <a:t>5/20/2021</a:t>
+              <a:t>5/22/2021</a:t>
             </a:fld>
             <a:endParaRPr lang="en-US" dirty="0"/>
           </a:p>
@@ -617,7 +617,7 @@
           <a:p>
             <a:fld id="{67C6F52A-A82B-47A2-A83A-8C4C91F2D59F}" type="datetimeFigureOut">
               <a:rPr lang="en-US" dirty="0"/>
-              <a:t>5/20/2021</a:t>
+              <a:t>5/22/2021</a:t>
             </a:fld>
             <a:endParaRPr lang="en-US" dirty="0"/>
           </a:p>
@@ -782,7 +782,7 @@
           <a:p>
             <a:fld id="{F070A7B3-6521-4DCA-87E5-044747A908C1}" type="datetimeFigureOut">
               <a:rPr lang="en-US" dirty="0"/>
-              <a:t>5/20/2021</a:t>
+              <a:t>5/22/2021</a:t>
             </a:fld>
             <a:endParaRPr lang="en-US" dirty="0"/>
           </a:p>
@@ -1038,7 +1038,7 @@
           <a:p>
             <a:fld id="{360C6404-AD6E-4860-8E75-697CA40B95DA}" type="datetimeFigureOut">
               <a:rPr lang="en-US" dirty="0"/>
-              <a:t>5/20/2021</a:t>
+              <a:t>5/22/2021</a:t>
             </a:fld>
             <a:endParaRPr lang="en-US" dirty="0"/>
           </a:p>
@@ -1266,7 +1266,7 @@
           <a:p>
             <a:fld id="{AB134690-1557-4C89-A502-4959FE7FAD70}" type="datetimeFigureOut">
               <a:rPr lang="en-US" dirty="0"/>
-              <a:t>5/20/2021</a:t>
+              <a:t>5/22/2021</a:t>
             </a:fld>
             <a:endParaRPr lang="en-US" dirty="0"/>
           </a:p>
@@ -1616,7 +1616,7 @@
           <a:p>
             <a:fld id="{4F7D4976-E339-4826-83B7-FBD03F55ECF8}" type="datetimeFigureOut">
               <a:rPr lang="en-US" dirty="0"/>
-              <a:t>5/20/2021</a:t>
+              <a:t>5/22/2021</a:t>
             </a:fld>
             <a:endParaRPr lang="en-US" dirty="0"/>
           </a:p>
@@ -1752,7 +1752,7 @@
           <a:p>
             <a:fld id="{E1037C31-9E7A-4F99-8774-A0E530DE1A42}" type="datetimeFigureOut">
               <a:rPr lang="en-US" dirty="0"/>
-              <a:t>5/20/2021</a:t>
+              <a:t>5/22/2021</a:t>
             </a:fld>
             <a:endParaRPr lang="en-US" dirty="0"/>
           </a:p>
@@ -1842,7 +1842,7 @@
           <a:p>
             <a:fld id="{C278504F-A551-4DE0-9316-4DCD1D8CC752}" type="datetimeFigureOut">
               <a:rPr lang="en-US" dirty="0"/>
-              <a:t>5/20/2021</a:t>
+              <a:t>5/22/2021</a:t>
             </a:fld>
             <a:endParaRPr lang="en-US" dirty="0"/>
           </a:p>
@@ -2194,7 +2194,7 @@
           <a:p>
             <a:fld id="{D1BE4249-C0D0-4B06-8692-E8BB871AF643}" type="datetimeFigureOut">
               <a:rPr lang="en-US" dirty="0"/>
-              <a:t>5/20/2021</a:t>
+              <a:t>5/22/2021</a:t>
             </a:fld>
             <a:endParaRPr lang="en-US" dirty="0"/>
           </a:p>
@@ -2507,7 +2507,7 @@
           <a:p>
             <a:fld id="{042B0DB6-F5C7-45FB-8CF3-31B45F9C2DAC}" type="datetimeFigureOut">
               <a:rPr lang="en-US" dirty="0"/>
-              <a:t>5/20/2021</a:t>
+              <a:t>5/22/2021</a:t>
             </a:fld>
             <a:endParaRPr lang="en-US" dirty="0"/>
           </a:p>
@@ -2747,7 +2747,7 @@
           <a:p>
             <a:fld id="{1160EA64-D806-43AC-9DF2-F8C432F32B4C}" type="datetimeFigureOut">
               <a:rPr lang="en-US" dirty="0"/>
-              <a:t>5/20/2021</a:t>
+              <a:t>5/22/2021</a:t>
             </a:fld>
             <a:endParaRPr lang="en-US" dirty="0"/>
           </a:p>
@@ -3323,31 +3323,6 @@
       </p:grpSpPr>
       <p:sp>
         <p:nvSpPr>
-          <p:cNvPr id="2" name="Title 1">
-            <a:extLst>
-              <a:ext uri="{FF2B5EF4-FFF2-40B4-BE49-F238E27FC236}">
-                <a16:creationId xmlns:a16="http://schemas.microsoft.com/office/drawing/2014/main" id="{D3DE2FBD-290D-4BA3-B40D-CCB0A4BB910A}"/>
-              </a:ext>
-            </a:extLst>
-          </p:cNvPr>
-          <p:cNvSpPr>
-            <a:spLocks noGrp="1"/>
-          </p:cNvSpPr>
-          <p:nvPr>
-            <p:ph type="title"/>
-          </p:nvPr>
-        </p:nvSpPr>
-        <p:spPr/>
-        <p:txBody>
-          <a:bodyPr/>
-          <a:lstStyle/>
-          <a:p>
-            <a:endParaRPr lang="en-US"/>
-          </a:p>
-        </p:txBody>
-      </p:sp>
-      <p:sp>
-        <p:nvSpPr>
           <p:cNvPr id="3" name="Content Placeholder 2">
             <a:extLst>
               <a:ext uri="{FF2B5EF4-FFF2-40B4-BE49-F238E27FC236}">
@@ -3778,8 +3753,8 @@
         </p:blipFill>
         <p:spPr>
           <a:xfrm>
-            <a:off x="2821989" y="2458316"/>
-            <a:ext cx="6049258" cy="3101975"/>
+            <a:off x="2424422" y="2232593"/>
+            <a:ext cx="7138875" cy="3660715"/>
           </a:xfrm>
         </p:spPr>
       </p:pic>
@@ -3928,8 +3903,8 @@
         </p:blipFill>
         <p:spPr>
           <a:xfrm>
-            <a:off x="2231136" y="2638044"/>
-            <a:ext cx="7124700" cy="1885950"/>
+            <a:off x="1967367" y="2638044"/>
+            <a:ext cx="8257266" cy="2185747"/>
           </a:xfrm>
           <a:prstGeom prst="rect">
             <a:avLst/>
@@ -4058,8 +4033,8 @@
         </p:blipFill>
         <p:spPr>
           <a:xfrm>
-            <a:off x="2478664" y="2638044"/>
-            <a:ext cx="6791325" cy="2638425"/>
+            <a:off x="2103738" y="2651297"/>
+            <a:ext cx="7984523" cy="3101982"/>
           </a:xfrm>
           <a:prstGeom prst="rect">
             <a:avLst/>
@@ -4096,31 +4071,6 @@
           <a:chExt cx="0" cy="0"/>
         </a:xfrm>
       </p:grpSpPr>
-      <p:sp>
-        <p:nvSpPr>
-          <p:cNvPr id="2" name="Title 1">
-            <a:extLst>
-              <a:ext uri="{FF2B5EF4-FFF2-40B4-BE49-F238E27FC236}">
-                <a16:creationId xmlns:a16="http://schemas.microsoft.com/office/drawing/2014/main" id="{BC3FD30E-1508-46AA-9BF9-7A60A66E76C6}"/>
-              </a:ext>
-            </a:extLst>
-          </p:cNvPr>
-          <p:cNvSpPr>
-            <a:spLocks noGrp="1"/>
-          </p:cNvSpPr>
-          <p:nvPr>
-            <p:ph type="title"/>
-          </p:nvPr>
-        </p:nvSpPr>
-        <p:spPr/>
-        <p:txBody>
-          <a:bodyPr/>
-          <a:lstStyle/>
-          <a:p>
-            <a:endParaRPr lang="en-US"/>
-          </a:p>
-        </p:txBody>
-      </p:sp>
       <p:sp>
         <p:nvSpPr>
           <p:cNvPr id="3" name="Content Placeholder 2">

--- a/dunia ilkom/2 Variabel dan tipe data dalam Bahasa C++.pptx
+++ b/dunia ilkom/2 Variabel dan tipe data dalam Bahasa C++.pptx
@@ -276,7 +276,7 @@
           <a:p>
             <a:fld id="{CA430C0A-5464-4FE4-84EB-FF9C94016DF4}" type="datetimeFigureOut">
               <a:rPr lang="en-US" dirty="0"/>
-              <a:t>5/22/2021</a:t>
+              <a:t>5/23/2021</a:t>
             </a:fld>
             <a:endParaRPr lang="en-US" dirty="0"/>
           </a:p>
@@ -442,7 +442,7 @@
           <a:p>
             <a:fld id="{E9F9C37B-1D36-470B-8223-D6C91242EC14}" type="datetimeFigureOut">
               <a:rPr lang="en-US" dirty="0"/>
-              <a:t>5/22/2021</a:t>
+              <a:t>5/23/2021</a:t>
             </a:fld>
             <a:endParaRPr lang="en-US" dirty="0"/>
           </a:p>
@@ -617,7 +617,7 @@
           <a:p>
             <a:fld id="{67C6F52A-A82B-47A2-A83A-8C4C91F2D59F}" type="datetimeFigureOut">
               <a:rPr lang="en-US" dirty="0"/>
-              <a:t>5/22/2021</a:t>
+              <a:t>5/23/2021</a:t>
             </a:fld>
             <a:endParaRPr lang="en-US" dirty="0"/>
           </a:p>
@@ -782,7 +782,7 @@
           <a:p>
             <a:fld id="{F070A7B3-6521-4DCA-87E5-044747A908C1}" type="datetimeFigureOut">
               <a:rPr lang="en-US" dirty="0"/>
-              <a:t>5/22/2021</a:t>
+              <a:t>5/23/2021</a:t>
             </a:fld>
             <a:endParaRPr lang="en-US" dirty="0"/>
           </a:p>
@@ -1038,7 +1038,7 @@
           <a:p>
             <a:fld id="{360C6404-AD6E-4860-8E75-697CA40B95DA}" type="datetimeFigureOut">
               <a:rPr lang="en-US" dirty="0"/>
-              <a:t>5/22/2021</a:t>
+              <a:t>5/23/2021</a:t>
             </a:fld>
             <a:endParaRPr lang="en-US" dirty="0"/>
           </a:p>
@@ -1266,7 +1266,7 @@
           <a:p>
             <a:fld id="{AB134690-1557-4C89-A502-4959FE7FAD70}" type="datetimeFigureOut">
               <a:rPr lang="en-US" dirty="0"/>
-              <a:t>5/22/2021</a:t>
+              <a:t>5/23/2021</a:t>
             </a:fld>
             <a:endParaRPr lang="en-US" dirty="0"/>
           </a:p>
@@ -1616,7 +1616,7 @@
           <a:p>
             <a:fld id="{4F7D4976-E339-4826-83B7-FBD03F55ECF8}" type="datetimeFigureOut">
               <a:rPr lang="en-US" dirty="0"/>
-              <a:t>5/22/2021</a:t>
+              <a:t>5/23/2021</a:t>
             </a:fld>
             <a:endParaRPr lang="en-US" dirty="0"/>
           </a:p>
@@ -1752,7 +1752,7 @@
           <a:p>
             <a:fld id="{E1037C31-9E7A-4F99-8774-A0E530DE1A42}" type="datetimeFigureOut">
               <a:rPr lang="en-US" dirty="0"/>
-              <a:t>5/22/2021</a:t>
+              <a:t>5/23/2021</a:t>
             </a:fld>
             <a:endParaRPr lang="en-US" dirty="0"/>
           </a:p>
@@ -1842,7 +1842,7 @@
           <a:p>
             <a:fld id="{C278504F-A551-4DE0-9316-4DCD1D8CC752}" type="datetimeFigureOut">
               <a:rPr lang="en-US" dirty="0"/>
-              <a:t>5/22/2021</a:t>
+              <a:t>5/23/2021</a:t>
             </a:fld>
             <a:endParaRPr lang="en-US" dirty="0"/>
           </a:p>
@@ -2194,7 +2194,7 @@
           <a:p>
             <a:fld id="{D1BE4249-C0D0-4B06-8692-E8BB871AF643}" type="datetimeFigureOut">
               <a:rPr lang="en-US" dirty="0"/>
-              <a:t>5/22/2021</a:t>
+              <a:t>5/23/2021</a:t>
             </a:fld>
             <a:endParaRPr lang="en-US" dirty="0"/>
           </a:p>
@@ -2507,7 +2507,7 @@
           <a:p>
             <a:fld id="{042B0DB6-F5C7-45FB-8CF3-31B45F9C2DAC}" type="datetimeFigureOut">
               <a:rPr lang="en-US" dirty="0"/>
-              <a:t>5/22/2021</a:t>
+              <a:t>5/23/2021</a:t>
             </a:fld>
             <a:endParaRPr lang="en-US" dirty="0"/>
           </a:p>
@@ -2747,7 +2747,7 @@
           <a:p>
             <a:fld id="{1160EA64-D806-43AC-9DF2-F8C432F32B4C}" type="datetimeFigureOut">
               <a:rPr lang="en-US" dirty="0"/>
-              <a:t>5/22/2021</a:t>
+              <a:t>5/23/2021</a:t>
             </a:fld>
             <a:endParaRPr lang="en-US" dirty="0"/>
           </a:p>

--- a/dunia ilkom/2 Variabel dan tipe data dalam Bahasa C++.pptx
+++ b/dunia ilkom/2 Variabel dan tipe data dalam Bahasa C++.pptx
@@ -276,7 +276,7 @@
           <a:p>
             <a:fld id="{CA430C0A-5464-4FE4-84EB-FF9C94016DF4}" type="datetimeFigureOut">
               <a:rPr lang="en-US" dirty="0"/>
-              <a:t>5/23/2021</a:t>
+              <a:t>4/20/2022</a:t>
             </a:fld>
             <a:endParaRPr lang="en-US" dirty="0"/>
           </a:p>
@@ -442,7 +442,7 @@
           <a:p>
             <a:fld id="{E9F9C37B-1D36-470B-8223-D6C91242EC14}" type="datetimeFigureOut">
               <a:rPr lang="en-US" dirty="0"/>
-              <a:t>5/23/2021</a:t>
+              <a:t>4/20/2022</a:t>
             </a:fld>
             <a:endParaRPr lang="en-US" dirty="0"/>
           </a:p>
@@ -617,7 +617,7 @@
           <a:p>
             <a:fld id="{67C6F52A-A82B-47A2-A83A-8C4C91F2D59F}" type="datetimeFigureOut">
               <a:rPr lang="en-US" dirty="0"/>
-              <a:t>5/23/2021</a:t>
+              <a:t>4/20/2022</a:t>
             </a:fld>
             <a:endParaRPr lang="en-US" dirty="0"/>
           </a:p>
@@ -782,7 +782,7 @@
           <a:p>
             <a:fld id="{F070A7B3-6521-4DCA-87E5-044747A908C1}" type="datetimeFigureOut">
               <a:rPr lang="en-US" dirty="0"/>
-              <a:t>5/23/2021</a:t>
+              <a:t>4/20/2022</a:t>
             </a:fld>
             <a:endParaRPr lang="en-US" dirty="0"/>
           </a:p>
@@ -1038,7 +1038,7 @@
           <a:p>
             <a:fld id="{360C6404-AD6E-4860-8E75-697CA40B95DA}" type="datetimeFigureOut">
               <a:rPr lang="en-US" dirty="0"/>
-              <a:t>5/23/2021</a:t>
+              <a:t>4/20/2022</a:t>
             </a:fld>
             <a:endParaRPr lang="en-US" dirty="0"/>
           </a:p>
@@ -1266,7 +1266,7 @@
           <a:p>
             <a:fld id="{AB134690-1557-4C89-A502-4959FE7FAD70}" type="datetimeFigureOut">
               <a:rPr lang="en-US" dirty="0"/>
-              <a:t>5/23/2021</a:t>
+              <a:t>4/20/2022</a:t>
             </a:fld>
             <a:endParaRPr lang="en-US" dirty="0"/>
           </a:p>
@@ -1616,7 +1616,7 @@
           <a:p>
             <a:fld id="{4F7D4976-E339-4826-83B7-FBD03F55ECF8}" type="datetimeFigureOut">
               <a:rPr lang="en-US" dirty="0"/>
-              <a:t>5/23/2021</a:t>
+              <a:t>4/20/2022</a:t>
             </a:fld>
             <a:endParaRPr lang="en-US" dirty="0"/>
           </a:p>
@@ -1752,7 +1752,7 @@
           <a:p>
             <a:fld id="{E1037C31-9E7A-4F99-8774-A0E530DE1A42}" type="datetimeFigureOut">
               <a:rPr lang="en-US" dirty="0"/>
-              <a:t>5/23/2021</a:t>
+              <a:t>4/20/2022</a:t>
             </a:fld>
             <a:endParaRPr lang="en-US" dirty="0"/>
           </a:p>
@@ -1842,7 +1842,7 @@
           <a:p>
             <a:fld id="{C278504F-A551-4DE0-9316-4DCD1D8CC752}" type="datetimeFigureOut">
               <a:rPr lang="en-US" dirty="0"/>
-              <a:t>5/23/2021</a:t>
+              <a:t>4/20/2022</a:t>
             </a:fld>
             <a:endParaRPr lang="en-US" dirty="0"/>
           </a:p>
@@ -2194,7 +2194,7 @@
           <a:p>
             <a:fld id="{D1BE4249-C0D0-4B06-8692-E8BB871AF643}" type="datetimeFigureOut">
               <a:rPr lang="en-US" dirty="0"/>
-              <a:t>5/23/2021</a:t>
+              <a:t>4/20/2022</a:t>
             </a:fld>
             <a:endParaRPr lang="en-US" dirty="0"/>
           </a:p>
@@ -2507,7 +2507,7 @@
           <a:p>
             <a:fld id="{042B0DB6-F5C7-45FB-8CF3-31B45F9C2DAC}" type="datetimeFigureOut">
               <a:rPr lang="en-US" dirty="0"/>
-              <a:t>5/23/2021</a:t>
+              <a:t>4/20/2022</a:t>
             </a:fld>
             <a:endParaRPr lang="en-US" dirty="0"/>
           </a:p>
@@ -2747,7 +2747,7 @@
           <a:p>
             <a:fld id="{1160EA64-D806-43AC-9DF2-F8C432F32B4C}" type="datetimeFigureOut">
               <a:rPr lang="en-US" dirty="0"/>
-              <a:t>5/23/2021</a:t>
+              <a:t>4/20/2022</a:t>
             </a:fld>
             <a:endParaRPr lang="en-US" dirty="0"/>
           </a:p>
@@ -3422,7 +3422,12 @@
             <p:ph type="title"/>
           </p:nvPr>
         </p:nvSpPr>
-        <p:spPr/>
+        <p:spPr>
+          <a:xfrm>
+            <a:off x="2231135" y="1064344"/>
+            <a:ext cx="7729728" cy="1188720"/>
+          </a:xfrm>
+        </p:spPr>
         <p:txBody>
           <a:bodyPr>
             <a:normAutofit fontScale="90000"/>
@@ -3430,8 +3435,26 @@
           <a:lstStyle/>
           <a:p>
             <a:pPr fontAlgn="base"/>
-            <a:r>
-              <a:rPr lang="en-US" b="0" i="0" dirty="0" err="1">
+            <a:br>
+              <a:rPr lang="en-US" b="0" i="0">
+                <a:solidFill>
+                  <a:srgbClr val="2B2C33"/>
+                </a:solidFill>
+                <a:effectLst/>
+                <a:latin typeface="Raleway"/>
+              </a:rPr>
+            </a:br>
+            <a:br>
+              <a:rPr lang="en-US" b="0" i="0">
+                <a:solidFill>
+                  <a:srgbClr val="2B2C33"/>
+                </a:solidFill>
+                <a:effectLst/>
+                <a:latin typeface="Raleway"/>
+              </a:rPr>
+            </a:br>
+            <a:r>
+              <a:rPr lang="en-US" b="0" i="0">
                 <a:solidFill>
                   <a:srgbClr val="2B2C33"/>
                 </a:solidFill>
